--- a/images/logo.pptx
+++ b/images/logo.pptx
@@ -3546,7 +3546,7 @@
         </p:nvSpPr>
         <p:spPr>
           <a:xfrm>
-            <a:off x="0" y="1654685"/>
+            <a:off x="-700585" y="2828393"/>
             <a:ext cx="12088368" cy="3981841"/>
           </a:xfrm>
           <a:prstGeom prst="rect">
@@ -3607,8 +3607,8 @@
         </p:blipFill>
         <p:spPr>
           <a:xfrm>
-            <a:off x="4672085" y="2001563"/>
-            <a:ext cx="3121098" cy="637136"/>
+            <a:off x="5099713" y="2536464"/>
+            <a:ext cx="1619586" cy="330620"/>
           </a:xfrm>
           <a:prstGeom prst="rect">
             <a:avLst/>
@@ -3630,7 +3630,7 @@
         <p:spPr>
           <a:xfrm>
             <a:off x="0" y="1654685"/>
-            <a:ext cx="6840000" cy="316477"/>
+            <a:ext cx="6452741" cy="346878"/>
           </a:xfrm>
           <a:prstGeom prst="rect">
             <a:avLst/>

--- a/images/logo.pptx
+++ b/images/logo.pptx
@@ -7,6 +7,7 @@
   <p:sldIdLst>
     <p:sldId id="256" r:id="rId2"/>
     <p:sldId id="257" r:id="rId3"/>
+    <p:sldId id="258" r:id="rId4"/>
   </p:sldIdLst>
   <p:sldSz cx="12192000" cy="6858000"/>
   <p:notesSz cx="6858000" cy="9144000"/>
@@ -105,6 +106,11 @@
       </a:defRPr>
     </a:lvl9pPr>
   </p:defaultTextStyle>
+  <p:extLst>
+    <p:ext uri="{EFAFB233-063F-42B5-8137-9DF3F51BA10A}">
+      <p15:sldGuideLst xmlns:p15="http://schemas.microsoft.com/office/powerpoint/2012/main"/>
+    </p:ext>
+  </p:extLst>
 </p:presentation>
 </file>
 
@@ -257,7 +263,7 @@
           <a:p>
             <a:fld id="{CB2CBF85-691D-468E-B5C0-339552D27628}" type="datetimeFigureOut">
               <a:rPr lang="en-SG" smtClean="0"/>
-              <a:t>28/11/2019</a:t>
+              <a:t>2/12/2019</a:t>
             </a:fld>
             <a:endParaRPr lang="en-SG"/>
           </a:p>
@@ -457,7 +463,7 @@
           <a:p>
             <a:fld id="{CB2CBF85-691D-468E-B5C0-339552D27628}" type="datetimeFigureOut">
               <a:rPr lang="en-SG" smtClean="0"/>
-              <a:t>28/11/2019</a:t>
+              <a:t>2/12/2019</a:t>
             </a:fld>
             <a:endParaRPr lang="en-SG"/>
           </a:p>
@@ -667,7 +673,7 @@
           <a:p>
             <a:fld id="{CB2CBF85-691D-468E-B5C0-339552D27628}" type="datetimeFigureOut">
               <a:rPr lang="en-SG" smtClean="0"/>
-              <a:t>28/11/2019</a:t>
+              <a:t>2/12/2019</a:t>
             </a:fld>
             <a:endParaRPr lang="en-SG"/>
           </a:p>
@@ -867,7 +873,7 @@
           <a:p>
             <a:fld id="{CB2CBF85-691D-468E-B5C0-339552D27628}" type="datetimeFigureOut">
               <a:rPr lang="en-SG" smtClean="0"/>
-              <a:t>28/11/2019</a:t>
+              <a:t>2/12/2019</a:t>
             </a:fld>
             <a:endParaRPr lang="en-SG"/>
           </a:p>
@@ -1143,7 +1149,7 @@
           <a:p>
             <a:fld id="{CB2CBF85-691D-468E-B5C0-339552D27628}" type="datetimeFigureOut">
               <a:rPr lang="en-SG" smtClean="0"/>
-              <a:t>28/11/2019</a:t>
+              <a:t>2/12/2019</a:t>
             </a:fld>
             <a:endParaRPr lang="en-SG"/>
           </a:p>
@@ -1411,7 +1417,7 @@
           <a:p>
             <a:fld id="{CB2CBF85-691D-468E-B5C0-339552D27628}" type="datetimeFigureOut">
               <a:rPr lang="en-SG" smtClean="0"/>
-              <a:t>28/11/2019</a:t>
+              <a:t>2/12/2019</a:t>
             </a:fld>
             <a:endParaRPr lang="en-SG"/>
           </a:p>
@@ -1826,7 +1832,7 @@
           <a:p>
             <a:fld id="{CB2CBF85-691D-468E-B5C0-339552D27628}" type="datetimeFigureOut">
               <a:rPr lang="en-SG" smtClean="0"/>
-              <a:t>28/11/2019</a:t>
+              <a:t>2/12/2019</a:t>
             </a:fld>
             <a:endParaRPr lang="en-SG"/>
           </a:p>
@@ -1968,7 +1974,7 @@
           <a:p>
             <a:fld id="{CB2CBF85-691D-468E-B5C0-339552D27628}" type="datetimeFigureOut">
               <a:rPr lang="en-SG" smtClean="0"/>
-              <a:t>28/11/2019</a:t>
+              <a:t>2/12/2019</a:t>
             </a:fld>
             <a:endParaRPr lang="en-SG"/>
           </a:p>
@@ -2081,7 +2087,7 @@
           <a:p>
             <a:fld id="{CB2CBF85-691D-468E-B5C0-339552D27628}" type="datetimeFigureOut">
               <a:rPr lang="en-SG" smtClean="0"/>
-              <a:t>28/11/2019</a:t>
+              <a:t>2/12/2019</a:t>
             </a:fld>
             <a:endParaRPr lang="en-SG"/>
           </a:p>
@@ -2394,7 +2400,7 @@
           <a:p>
             <a:fld id="{CB2CBF85-691D-468E-B5C0-339552D27628}" type="datetimeFigureOut">
               <a:rPr lang="en-SG" smtClean="0"/>
-              <a:t>28/11/2019</a:t>
+              <a:t>2/12/2019</a:t>
             </a:fld>
             <a:endParaRPr lang="en-SG"/>
           </a:p>
@@ -2683,7 +2689,7 @@
           <a:p>
             <a:fld id="{CB2CBF85-691D-468E-B5C0-339552D27628}" type="datetimeFigureOut">
               <a:rPr lang="en-SG" smtClean="0"/>
-              <a:t>28/11/2019</a:t>
+              <a:t>2/12/2019</a:t>
             </a:fld>
             <a:endParaRPr lang="en-SG"/>
           </a:p>
@@ -2926,7 +2932,7 @@
           <a:p>
             <a:fld id="{CB2CBF85-691D-468E-B5C0-339552D27628}" type="datetimeFigureOut">
               <a:rPr lang="en-SG" smtClean="0"/>
-              <a:t>28/11/2019</a:t>
+              <a:t>2/12/2019</a:t>
             </a:fld>
             <a:endParaRPr lang="en-SG"/>
           </a:p>
@@ -3638,17 +3644,19 @@
           <a:gradFill flip="none" rotWithShape="1">
             <a:gsLst>
               <a:gs pos="0">
-                <a:srgbClr val="2A8660"/>
+                <a:srgbClr val="2D3C8C"/>
               </a:gs>
               <a:gs pos="100000">
-                <a:srgbClr val="87BE49"/>
+                <a:srgbClr val="5A629A"/>
               </a:gs>
             </a:gsLst>
             <a:lin ang="2700000" scaled="1"/>
             <a:tileRect/>
           </a:gradFill>
           <a:ln>
-            <a:noFill/>
+            <a:solidFill>
+              <a:srgbClr val="5A629A"/>
+            </a:solidFill>
           </a:ln>
         </p:spPr>
         <p:style>
@@ -3740,7 +3748,7 @@
         </p:blipFill>
         <p:spPr>
           <a:xfrm>
-            <a:off x="1906965" y="-2603729"/>
+            <a:off x="5439133" y="-3371504"/>
             <a:ext cx="12192000" cy="3907616"/>
           </a:xfrm>
           <a:prstGeom prst="rect">
@@ -3748,10 +3756,601 @@
           </a:prstGeom>
         </p:spPr>
       </p:pic>
+      <p:grpSp>
+        <p:nvGrpSpPr>
+          <p:cNvPr id="10" name="Group 9">
+            <a:extLst>
+              <a:ext uri="{FF2B5EF4-FFF2-40B4-BE49-F238E27FC236}">
+                <a16:creationId xmlns:a16="http://schemas.microsoft.com/office/drawing/2014/main" id="{8C13F4B6-FC1F-46F5-8E4D-1471CFA19DF0}"/>
+              </a:ext>
+            </a:extLst>
+          </p:cNvPr>
+          <p:cNvGrpSpPr/>
+          <p:nvPr/>
+        </p:nvGrpSpPr>
+        <p:grpSpPr>
+          <a:xfrm>
+            <a:off x="4652173" y="2664894"/>
+            <a:ext cx="5884571" cy="5943263"/>
+            <a:chOff x="1990860" y="1255691"/>
+            <a:chExt cx="5884571" cy="5943263"/>
+          </a:xfrm>
+        </p:grpSpPr>
+        <p:grpSp>
+          <p:nvGrpSpPr>
+            <p:cNvPr id="11" name="组合 27">
+              <a:extLst>
+                <a:ext uri="{FF2B5EF4-FFF2-40B4-BE49-F238E27FC236}">
+                  <a16:creationId xmlns:a16="http://schemas.microsoft.com/office/drawing/2014/main" id="{3DA7E6F1-2300-46A1-B0F4-C158200D4004}"/>
+                </a:ext>
+              </a:extLst>
+            </p:cNvPr>
+            <p:cNvGrpSpPr/>
+            <p:nvPr/>
+          </p:nvGrpSpPr>
+          <p:grpSpPr>
+            <a:xfrm>
+              <a:off x="1990860" y="1255691"/>
+              <a:ext cx="5884571" cy="5943263"/>
+              <a:chOff x="-5003640" y="3471770"/>
+              <a:chExt cx="3102112" cy="3217787"/>
+            </a:xfrm>
+          </p:grpSpPr>
+          <p:pic>
+            <p:nvPicPr>
+              <p:cNvPr id="13" name="图片 24">
+                <a:extLst>
+                  <a:ext uri="{FF2B5EF4-FFF2-40B4-BE49-F238E27FC236}">
+                    <a16:creationId xmlns:a16="http://schemas.microsoft.com/office/drawing/2014/main" id="{9A98CADA-4E37-41C5-A76B-FBA60BA692E0}"/>
+                  </a:ext>
+                </a:extLst>
+              </p:cNvPr>
+              <p:cNvPicPr>
+                <a:picLocks noChangeAspect="1"/>
+              </p:cNvPicPr>
+              <p:nvPr/>
+            </p:nvPicPr>
+            <p:blipFill rotWithShape="1">
+              <a:blip r:embed="rId4">
+                <a:extLst>
+                  <a:ext uri="{28A0092B-C50C-407E-A947-70E740481C1C}">
+                    <a14:useLocalDpi xmlns:a14="http://schemas.microsoft.com/office/drawing/2010/main" val="0"/>
+                  </a:ext>
+                </a:extLst>
+              </a:blip>
+              <a:srcRect r="72537"/>
+              <a:stretch/>
+            </p:blipFill>
+            <p:spPr>
+              <a:xfrm>
+                <a:off x="-5003640" y="3471770"/>
+                <a:ext cx="958155" cy="3217787"/>
+              </a:xfrm>
+              <a:prstGeom prst="rect">
+                <a:avLst/>
+              </a:prstGeom>
+              <a:ln>
+                <a:solidFill>
+                  <a:srgbClr val="2D3C8C"/>
+                </a:solidFill>
+              </a:ln>
+            </p:spPr>
+          </p:pic>
+          <p:pic>
+            <p:nvPicPr>
+              <p:cNvPr id="14" name="图片 23">
+                <a:extLst>
+                  <a:ext uri="{FF2B5EF4-FFF2-40B4-BE49-F238E27FC236}">
+                    <a16:creationId xmlns:a16="http://schemas.microsoft.com/office/drawing/2014/main" id="{4E823FCC-1E2C-4C4E-ACA5-D2F5CA4B8325}"/>
+                  </a:ext>
+                </a:extLst>
+              </p:cNvPr>
+              <p:cNvPicPr>
+                <a:picLocks noChangeAspect="1"/>
+              </p:cNvPicPr>
+              <p:nvPr/>
+            </p:nvPicPr>
+            <p:blipFill rotWithShape="1">
+              <a:blip r:embed="rId4">
+                <a:extLst>
+                  <a:ext uri="{28A0092B-C50C-407E-A947-70E740481C1C}">
+                    <a14:useLocalDpi xmlns:a14="http://schemas.microsoft.com/office/drawing/2010/main" val="0"/>
+                  </a:ext>
+                </a:extLst>
+              </a:blip>
+              <a:srcRect r="11086" b="54581"/>
+              <a:stretch/>
+            </p:blipFill>
+            <p:spPr>
+              <a:xfrm>
+                <a:off x="-5003640" y="3471770"/>
+                <a:ext cx="3102112" cy="1461473"/>
+              </a:xfrm>
+              <a:prstGeom prst="rect">
+                <a:avLst/>
+              </a:prstGeom>
+              <a:ln>
+                <a:solidFill>
+                  <a:srgbClr val="2D3C8C"/>
+                </a:solidFill>
+              </a:ln>
+            </p:spPr>
+          </p:pic>
+        </p:grpSp>
+        <p:sp>
+          <p:nvSpPr>
+            <p:cNvPr id="12" name="TextBox 11">
+              <a:extLst>
+                <a:ext uri="{FF2B5EF4-FFF2-40B4-BE49-F238E27FC236}">
+                  <a16:creationId xmlns:a16="http://schemas.microsoft.com/office/drawing/2014/main" id="{A610FB49-0332-495C-93C9-C4B3CA3951EB}"/>
+                </a:ext>
+              </a:extLst>
+            </p:cNvPr>
+            <p:cNvSpPr txBox="1"/>
+            <p:nvPr/>
+          </p:nvSpPr>
+          <p:spPr>
+            <a:xfrm>
+              <a:off x="3719011" y="3955036"/>
+              <a:ext cx="3959738" cy="707886"/>
+            </a:xfrm>
+            <a:prstGeom prst="rect">
+              <a:avLst/>
+            </a:prstGeom>
+            <a:noFill/>
+            <a:ln>
+              <a:solidFill>
+                <a:srgbClr val="2D3C8C"/>
+              </a:solidFill>
+            </a:ln>
+          </p:spPr>
+          <p:txBody>
+            <a:bodyPr wrap="none" rtlCol="0">
+              <a:spAutoFit/>
+            </a:bodyPr>
+            <a:lstStyle/>
+            <a:p>
+              <a:r>
+                <a:rPr lang="en-SG" sz="2000" b="1" dirty="0">
+                  <a:latin typeface="Trebuchet MS "/>
+                </a:rPr>
+                <a:t>International Symposium on </a:t>
+              </a:r>
+            </a:p>
+            <a:p>
+              <a:r>
+                <a:rPr lang="en-SG" sz="2000" b="1" dirty="0">
+                  <a:latin typeface="Trebuchet MS "/>
+                </a:rPr>
+                <a:t>Integrated Circuits and Systems</a:t>
+              </a:r>
+            </a:p>
+          </p:txBody>
+        </p:sp>
+      </p:grpSp>
+      <p:pic>
+        <p:nvPicPr>
+          <p:cNvPr id="2" name="Picture 1">
+            <a:extLst>
+              <a:ext uri="{FF2B5EF4-FFF2-40B4-BE49-F238E27FC236}">
+                <a16:creationId xmlns:a16="http://schemas.microsoft.com/office/drawing/2014/main" id="{76C6464D-4452-4C02-BDAB-BACDC12D03B2}"/>
+              </a:ext>
+            </a:extLst>
+          </p:cNvPr>
+          <p:cNvPicPr>
+            <a:picLocks noChangeAspect="1"/>
+          </p:cNvPicPr>
+          <p:nvPr/>
+        </p:nvPicPr>
+        <p:blipFill>
+          <a:blip r:embed="rId5"/>
+          <a:stretch>
+            <a:fillRect/>
+          </a:stretch>
+        </p:blipFill>
+        <p:spPr>
+          <a:xfrm>
+            <a:off x="947063" y="3526069"/>
+            <a:ext cx="1809750" cy="4933950"/>
+          </a:xfrm>
+          <a:prstGeom prst="rect">
+            <a:avLst/>
+          </a:prstGeom>
+          <a:ln>
+            <a:solidFill>
+              <a:srgbClr val="F2F2F2"/>
+            </a:solidFill>
+          </a:ln>
+        </p:spPr>
+      </p:pic>
+      <p:sp>
+        <p:nvSpPr>
+          <p:cNvPr id="15" name="Rectangle 14">
+            <a:extLst>
+              <a:ext uri="{FF2B5EF4-FFF2-40B4-BE49-F238E27FC236}">
+                <a16:creationId xmlns:a16="http://schemas.microsoft.com/office/drawing/2014/main" id="{F7C0A19F-5D0E-4624-976C-1001E6DEEC34}"/>
+              </a:ext>
+            </a:extLst>
+          </p:cNvPr>
+          <p:cNvSpPr/>
+          <p:nvPr/>
+        </p:nvSpPr>
+        <p:spPr>
+          <a:xfrm rot="5400000">
+            <a:off x="5534013" y="437792"/>
+            <a:ext cx="2477942" cy="243184"/>
+          </a:xfrm>
+          <a:prstGeom prst="rect">
+            <a:avLst/>
+          </a:prstGeom>
+          <a:solidFill>
+            <a:srgbClr val="DCDCDC"/>
+          </a:solidFill>
+          <a:ln>
+            <a:noFill/>
+          </a:ln>
+        </p:spPr>
+        <p:style>
+          <a:lnRef idx="2">
+            <a:schemeClr val="accent1">
+              <a:shade val="50000"/>
+            </a:schemeClr>
+          </a:lnRef>
+          <a:fillRef idx="1">
+            <a:schemeClr val="accent1"/>
+          </a:fillRef>
+          <a:effectRef idx="0">
+            <a:schemeClr val="accent1"/>
+          </a:effectRef>
+          <a:fontRef idx="minor">
+            <a:schemeClr val="lt1"/>
+          </a:fontRef>
+        </p:style>
+        <p:txBody>
+          <a:bodyPr rtlCol="0" anchor="ctr"/>
+          <a:lstStyle/>
+          <a:p>
+            <a:pPr algn="ctr"/>
+            <a:endParaRPr lang="en-SG" dirty="0"/>
+          </a:p>
+        </p:txBody>
+      </p:sp>
+      <p:pic>
+        <p:nvPicPr>
+          <p:cNvPr id="3" name="Picture 2">
+            <a:extLst>
+              <a:ext uri="{FF2B5EF4-FFF2-40B4-BE49-F238E27FC236}">
+                <a16:creationId xmlns:a16="http://schemas.microsoft.com/office/drawing/2014/main" id="{D87C2F3C-D6BF-4785-B159-7D6E855682ED}"/>
+              </a:ext>
+            </a:extLst>
+          </p:cNvPr>
+          <p:cNvPicPr>
+            <a:picLocks noChangeAspect="1"/>
+          </p:cNvPicPr>
+          <p:nvPr/>
+        </p:nvPicPr>
+        <p:blipFill>
+          <a:blip r:embed="rId6"/>
+          <a:stretch>
+            <a:fillRect/>
+          </a:stretch>
+        </p:blipFill>
+        <p:spPr>
+          <a:xfrm>
+            <a:off x="11198664" y="2773594"/>
+            <a:ext cx="981075" cy="1504950"/>
+          </a:xfrm>
+          <a:prstGeom prst="rect">
+            <a:avLst/>
+          </a:prstGeom>
+          <a:solidFill>
+            <a:srgbClr val="DCDCDC"/>
+          </a:solidFill>
+        </p:spPr>
+      </p:pic>
     </p:spTree>
     <p:extLst>
       <p:ext uri="{BB962C8B-B14F-4D97-AF65-F5344CB8AC3E}">
         <p14:creationId xmlns:p14="http://schemas.microsoft.com/office/powerpoint/2010/main" val="2672660990"/>
+      </p:ext>
+    </p:extLst>
+  </p:cSld>
+  <p:clrMapOvr>
+    <a:masterClrMapping/>
+  </p:clrMapOvr>
+</p:sld>
+</file>
+
+<file path=ppt/slides/slide3.xml><?xml version="1.0" encoding="utf-8"?>
+<p:sld xmlns:a="http://schemas.openxmlformats.org/drawingml/2006/main" xmlns:r="http://schemas.openxmlformats.org/officeDocument/2006/relationships" xmlns:p="http://schemas.openxmlformats.org/presentationml/2006/main">
+  <p:cSld>
+    <p:spTree>
+      <p:nvGrpSpPr>
+        <p:cNvPr id="1" name=""/>
+        <p:cNvGrpSpPr/>
+        <p:nvPr/>
+      </p:nvGrpSpPr>
+      <p:grpSpPr>
+        <a:xfrm>
+          <a:off x="0" y="0"/>
+          <a:ext cx="0" cy="0"/>
+          <a:chOff x="0" y="0"/>
+          <a:chExt cx="0" cy="0"/>
+        </a:xfrm>
+      </p:grpSpPr>
+      <p:grpSp>
+        <p:nvGrpSpPr>
+          <p:cNvPr id="6" name="Group 5">
+            <a:extLst>
+              <a:ext uri="{FF2B5EF4-FFF2-40B4-BE49-F238E27FC236}">
+                <a16:creationId xmlns:a16="http://schemas.microsoft.com/office/drawing/2014/main" id="{23769475-572D-4C9A-BD85-E3974CDD2EC0}"/>
+              </a:ext>
+            </a:extLst>
+          </p:cNvPr>
+          <p:cNvGrpSpPr/>
+          <p:nvPr/>
+        </p:nvGrpSpPr>
+        <p:grpSpPr>
+          <a:xfrm>
+            <a:off x="1990860" y="1255691"/>
+            <a:ext cx="5884571" cy="5943263"/>
+            <a:chOff x="1990860" y="1255691"/>
+            <a:chExt cx="5884571" cy="5943263"/>
+          </a:xfrm>
+        </p:grpSpPr>
+        <p:grpSp>
+          <p:nvGrpSpPr>
+            <p:cNvPr id="2" name="组合 27">
+              <a:extLst>
+                <a:ext uri="{FF2B5EF4-FFF2-40B4-BE49-F238E27FC236}">
+                  <a16:creationId xmlns:a16="http://schemas.microsoft.com/office/drawing/2014/main" id="{83D001C3-D6C0-43F4-B3D2-0996DC36C27F}"/>
+                </a:ext>
+              </a:extLst>
+            </p:cNvPr>
+            <p:cNvGrpSpPr/>
+            <p:nvPr/>
+          </p:nvGrpSpPr>
+          <p:grpSpPr>
+            <a:xfrm>
+              <a:off x="1990860" y="1255691"/>
+              <a:ext cx="5884571" cy="5943263"/>
+              <a:chOff x="-5003640" y="3471770"/>
+              <a:chExt cx="3102112" cy="3217787"/>
+            </a:xfrm>
+          </p:grpSpPr>
+          <p:pic>
+            <p:nvPicPr>
+              <p:cNvPr id="3" name="图片 24">
+                <a:extLst>
+                  <a:ext uri="{FF2B5EF4-FFF2-40B4-BE49-F238E27FC236}">
+                    <a16:creationId xmlns:a16="http://schemas.microsoft.com/office/drawing/2014/main" id="{31C80E7D-AA2A-4550-AE5B-EA47D06AE0CF}"/>
+                  </a:ext>
+                </a:extLst>
+              </p:cNvPr>
+              <p:cNvPicPr>
+                <a:picLocks noChangeAspect="1"/>
+              </p:cNvPicPr>
+              <p:nvPr/>
+            </p:nvPicPr>
+            <p:blipFill rotWithShape="1">
+              <a:blip r:embed="rId2">
+                <a:extLst>
+                  <a:ext uri="{28A0092B-C50C-407E-A947-70E740481C1C}">
+                    <a14:useLocalDpi xmlns:a14="http://schemas.microsoft.com/office/drawing/2010/main" val="0"/>
+                  </a:ext>
+                </a:extLst>
+              </a:blip>
+              <a:srcRect r="72537"/>
+              <a:stretch/>
+            </p:blipFill>
+            <p:spPr>
+              <a:xfrm>
+                <a:off x="-5003640" y="3471770"/>
+                <a:ext cx="958155" cy="3217787"/>
+              </a:xfrm>
+              <a:prstGeom prst="rect">
+                <a:avLst/>
+              </a:prstGeom>
+            </p:spPr>
+          </p:pic>
+          <p:pic>
+            <p:nvPicPr>
+              <p:cNvPr id="4" name="图片 23">
+                <a:extLst>
+                  <a:ext uri="{FF2B5EF4-FFF2-40B4-BE49-F238E27FC236}">
+                    <a16:creationId xmlns:a16="http://schemas.microsoft.com/office/drawing/2014/main" id="{33D091B2-FA7E-40A0-BA6E-8ECBD78D5295}"/>
+                  </a:ext>
+                </a:extLst>
+              </p:cNvPr>
+              <p:cNvPicPr>
+                <a:picLocks noChangeAspect="1"/>
+              </p:cNvPicPr>
+              <p:nvPr/>
+            </p:nvPicPr>
+            <p:blipFill rotWithShape="1">
+              <a:blip r:embed="rId2">
+                <a:extLst>
+                  <a:ext uri="{28A0092B-C50C-407E-A947-70E740481C1C}">
+                    <a14:useLocalDpi xmlns:a14="http://schemas.microsoft.com/office/drawing/2010/main" val="0"/>
+                  </a:ext>
+                </a:extLst>
+              </a:blip>
+              <a:srcRect r="11086" b="54581"/>
+              <a:stretch/>
+            </p:blipFill>
+            <p:spPr>
+              <a:xfrm>
+                <a:off x="-5003640" y="3471770"/>
+                <a:ext cx="3102112" cy="1461473"/>
+              </a:xfrm>
+              <a:prstGeom prst="rect">
+                <a:avLst/>
+              </a:prstGeom>
+            </p:spPr>
+          </p:pic>
+        </p:grpSp>
+        <p:sp>
+          <p:nvSpPr>
+            <p:cNvPr id="5" name="TextBox 4">
+              <a:extLst>
+                <a:ext uri="{FF2B5EF4-FFF2-40B4-BE49-F238E27FC236}">
+                  <a16:creationId xmlns:a16="http://schemas.microsoft.com/office/drawing/2014/main" id="{1E2C1F33-2ADE-4623-BE61-689B0AF16A98}"/>
+                </a:ext>
+              </a:extLst>
+            </p:cNvPr>
+            <p:cNvSpPr txBox="1"/>
+            <p:nvPr/>
+          </p:nvSpPr>
+          <p:spPr>
+            <a:xfrm>
+              <a:off x="3719011" y="3955036"/>
+              <a:ext cx="3959738" cy="707886"/>
+            </a:xfrm>
+            <a:prstGeom prst="rect">
+              <a:avLst/>
+            </a:prstGeom>
+            <a:noFill/>
+          </p:spPr>
+          <p:txBody>
+            <a:bodyPr wrap="none" rtlCol="0">
+              <a:spAutoFit/>
+            </a:bodyPr>
+            <a:lstStyle/>
+            <a:p>
+              <a:r>
+                <a:rPr lang="en-SG" sz="2000" b="1" dirty="0">
+                  <a:latin typeface="Trebuchet MS "/>
+                </a:rPr>
+                <a:t>International Symposium on </a:t>
+              </a:r>
+            </a:p>
+            <a:p>
+              <a:r>
+                <a:rPr lang="en-SG" sz="2000" b="1" dirty="0">
+                  <a:latin typeface="Trebuchet MS "/>
+                </a:rPr>
+                <a:t>Integrated Circuits and Systems</a:t>
+              </a:r>
+            </a:p>
+          </p:txBody>
+        </p:sp>
+      </p:grpSp>
+      <p:pic>
+        <p:nvPicPr>
+          <p:cNvPr id="7" name="Picture 6">
+            <a:extLst>
+              <a:ext uri="{FF2B5EF4-FFF2-40B4-BE49-F238E27FC236}">
+                <a16:creationId xmlns:a16="http://schemas.microsoft.com/office/drawing/2014/main" id="{6C268E7A-699D-41ED-9987-856F2C949850}"/>
+              </a:ext>
+            </a:extLst>
+          </p:cNvPr>
+          <p:cNvPicPr>
+            <a:picLocks noChangeAspect="1"/>
+          </p:cNvPicPr>
+          <p:nvPr/>
+        </p:nvPicPr>
+        <p:blipFill>
+          <a:blip r:embed="rId3"/>
+          <a:stretch>
+            <a:fillRect/>
+          </a:stretch>
+        </p:blipFill>
+        <p:spPr>
+          <a:xfrm>
+            <a:off x="6852669" y="1440436"/>
+            <a:ext cx="1530896" cy="854453"/>
+          </a:xfrm>
+          <a:prstGeom prst="rect">
+            <a:avLst/>
+          </a:prstGeom>
+        </p:spPr>
+      </p:pic>
+      <p:pic>
+        <p:nvPicPr>
+          <p:cNvPr id="8" name="Picture 7">
+            <a:extLst>
+              <a:ext uri="{FF2B5EF4-FFF2-40B4-BE49-F238E27FC236}">
+                <a16:creationId xmlns:a16="http://schemas.microsoft.com/office/drawing/2014/main" id="{1E79C8C8-4035-46EC-8DD2-8B577E67E384}"/>
+              </a:ext>
+            </a:extLst>
+          </p:cNvPr>
+          <p:cNvPicPr>
+            <a:picLocks noChangeAspect="1"/>
+          </p:cNvPicPr>
+          <p:nvPr/>
+        </p:nvPicPr>
+        <p:blipFill>
+          <a:blip r:embed="rId4"/>
+          <a:stretch>
+            <a:fillRect/>
+          </a:stretch>
+        </p:blipFill>
+        <p:spPr>
+          <a:xfrm>
+            <a:off x="6852669" y="5417564"/>
+            <a:ext cx="5619750" cy="2781300"/>
+          </a:xfrm>
+          <a:prstGeom prst="rect">
+            <a:avLst/>
+          </a:prstGeom>
+          <a:solidFill>
+            <a:srgbClr val="993333"/>
+          </a:solidFill>
+        </p:spPr>
+      </p:pic>
+      <p:sp>
+        <p:nvSpPr>
+          <p:cNvPr id="9" name="Rectangle 8">
+            <a:extLst>
+              <a:ext uri="{FF2B5EF4-FFF2-40B4-BE49-F238E27FC236}">
+                <a16:creationId xmlns:a16="http://schemas.microsoft.com/office/drawing/2014/main" id="{7357A8E0-3E5A-44BB-83BE-06E5A1CEF3B7}"/>
+              </a:ext>
+            </a:extLst>
+          </p:cNvPr>
+          <p:cNvSpPr/>
+          <p:nvPr/>
+        </p:nvSpPr>
+        <p:spPr>
+          <a:xfrm>
+            <a:off x="8676409" y="1440436"/>
+            <a:ext cx="1524731" cy="1354719"/>
+          </a:xfrm>
+          <a:prstGeom prst="rect">
+            <a:avLst/>
+          </a:prstGeom>
+          <a:solidFill>
+            <a:srgbClr val="2D3C8C"/>
+          </a:solidFill>
+        </p:spPr>
+        <p:style>
+          <a:lnRef idx="2">
+            <a:schemeClr val="accent1">
+              <a:shade val="50000"/>
+            </a:schemeClr>
+          </a:lnRef>
+          <a:fillRef idx="1">
+            <a:schemeClr val="accent1"/>
+          </a:fillRef>
+          <a:effectRef idx="0">
+            <a:schemeClr val="accent1"/>
+          </a:effectRef>
+          <a:fontRef idx="minor">
+            <a:schemeClr val="lt1"/>
+          </a:fontRef>
+        </p:style>
+        <p:txBody>
+          <a:bodyPr rtlCol="0" anchor="ctr"/>
+          <a:lstStyle/>
+          <a:p>
+            <a:pPr algn="ctr"/>
+            <a:endParaRPr lang="en-SG"/>
+          </a:p>
+        </p:txBody>
+      </p:sp>
+    </p:spTree>
+    <p:extLst>
+      <p:ext uri="{BB962C8B-B14F-4D97-AF65-F5344CB8AC3E}">
+        <p14:creationId xmlns:p14="http://schemas.microsoft.com/office/powerpoint/2010/main" val="1604386407"/>
       </p:ext>
     </p:extLst>
   </p:cSld>

--- a/images/logo.pptx
+++ b/images/logo.pptx
@@ -263,7 +263,7 @@
           <a:p>
             <a:fld id="{CB2CBF85-691D-468E-B5C0-339552D27628}" type="datetimeFigureOut">
               <a:rPr lang="en-SG" smtClean="0"/>
-              <a:t>2/12/2019</a:t>
+              <a:t>3/12/2019</a:t>
             </a:fld>
             <a:endParaRPr lang="en-SG"/>
           </a:p>
@@ -463,7 +463,7 @@
           <a:p>
             <a:fld id="{CB2CBF85-691D-468E-B5C0-339552D27628}" type="datetimeFigureOut">
               <a:rPr lang="en-SG" smtClean="0"/>
-              <a:t>2/12/2019</a:t>
+              <a:t>3/12/2019</a:t>
             </a:fld>
             <a:endParaRPr lang="en-SG"/>
           </a:p>
@@ -673,7 +673,7 @@
           <a:p>
             <a:fld id="{CB2CBF85-691D-468E-B5C0-339552D27628}" type="datetimeFigureOut">
               <a:rPr lang="en-SG" smtClean="0"/>
-              <a:t>2/12/2019</a:t>
+              <a:t>3/12/2019</a:t>
             </a:fld>
             <a:endParaRPr lang="en-SG"/>
           </a:p>
@@ -873,7 +873,7 @@
           <a:p>
             <a:fld id="{CB2CBF85-691D-468E-B5C0-339552D27628}" type="datetimeFigureOut">
               <a:rPr lang="en-SG" smtClean="0"/>
-              <a:t>2/12/2019</a:t>
+              <a:t>3/12/2019</a:t>
             </a:fld>
             <a:endParaRPr lang="en-SG"/>
           </a:p>
@@ -1149,7 +1149,7 @@
           <a:p>
             <a:fld id="{CB2CBF85-691D-468E-B5C0-339552D27628}" type="datetimeFigureOut">
               <a:rPr lang="en-SG" smtClean="0"/>
-              <a:t>2/12/2019</a:t>
+              <a:t>3/12/2019</a:t>
             </a:fld>
             <a:endParaRPr lang="en-SG"/>
           </a:p>
@@ -1417,7 +1417,7 @@
           <a:p>
             <a:fld id="{CB2CBF85-691D-468E-B5C0-339552D27628}" type="datetimeFigureOut">
               <a:rPr lang="en-SG" smtClean="0"/>
-              <a:t>2/12/2019</a:t>
+              <a:t>3/12/2019</a:t>
             </a:fld>
             <a:endParaRPr lang="en-SG"/>
           </a:p>
@@ -1832,7 +1832,7 @@
           <a:p>
             <a:fld id="{CB2CBF85-691D-468E-B5C0-339552D27628}" type="datetimeFigureOut">
               <a:rPr lang="en-SG" smtClean="0"/>
-              <a:t>2/12/2019</a:t>
+              <a:t>3/12/2019</a:t>
             </a:fld>
             <a:endParaRPr lang="en-SG"/>
           </a:p>
@@ -1974,7 +1974,7 @@
           <a:p>
             <a:fld id="{CB2CBF85-691D-468E-B5C0-339552D27628}" type="datetimeFigureOut">
               <a:rPr lang="en-SG" smtClean="0"/>
-              <a:t>2/12/2019</a:t>
+              <a:t>3/12/2019</a:t>
             </a:fld>
             <a:endParaRPr lang="en-SG"/>
           </a:p>
@@ -2087,7 +2087,7 @@
           <a:p>
             <a:fld id="{CB2CBF85-691D-468E-B5C0-339552D27628}" type="datetimeFigureOut">
               <a:rPr lang="en-SG" smtClean="0"/>
-              <a:t>2/12/2019</a:t>
+              <a:t>3/12/2019</a:t>
             </a:fld>
             <a:endParaRPr lang="en-SG"/>
           </a:p>
@@ -2400,7 +2400,7 @@
           <a:p>
             <a:fld id="{CB2CBF85-691D-468E-B5C0-339552D27628}" type="datetimeFigureOut">
               <a:rPr lang="en-SG" smtClean="0"/>
-              <a:t>2/12/2019</a:t>
+              <a:t>3/12/2019</a:t>
             </a:fld>
             <a:endParaRPr lang="en-SG"/>
           </a:p>
@@ -2689,7 +2689,7 @@
           <a:p>
             <a:fld id="{CB2CBF85-691D-468E-B5C0-339552D27628}" type="datetimeFigureOut">
               <a:rPr lang="en-SG" smtClean="0"/>
-              <a:t>2/12/2019</a:t>
+              <a:t>3/12/2019</a:t>
             </a:fld>
             <a:endParaRPr lang="en-SG"/>
           </a:p>
@@ -2932,7 +2932,7 @@
           <a:p>
             <a:fld id="{CB2CBF85-691D-468E-B5C0-339552D27628}" type="datetimeFigureOut">
               <a:rPr lang="en-SG" smtClean="0"/>
-              <a:t>2/12/2019</a:t>
+              <a:t>3/12/2019</a:t>
             </a:fld>
             <a:endParaRPr lang="en-SG"/>
           </a:p>
@@ -4347,6 +4347,35 @@
           </a:p>
         </p:txBody>
       </p:sp>
+      <p:pic>
+        <p:nvPicPr>
+          <p:cNvPr id="15" name="Picture 14">
+            <a:extLst>
+              <a:ext uri="{FF2B5EF4-FFF2-40B4-BE49-F238E27FC236}">
+                <a16:creationId xmlns:a16="http://schemas.microsoft.com/office/drawing/2014/main" id="{2C18FD3A-E989-4BBB-9AC9-1D4AA3B048D7}"/>
+              </a:ext>
+            </a:extLst>
+          </p:cNvPr>
+          <p:cNvPicPr>
+            <a:picLocks noChangeAspect="1"/>
+          </p:cNvPicPr>
+          <p:nvPr/>
+        </p:nvPicPr>
+        <p:blipFill rotWithShape="1">
+          <a:blip r:embed="rId5"/>
+          <a:srcRect l="14726" t="18933" b="40402"/>
+          <a:stretch/>
+        </p:blipFill>
+        <p:spPr>
+          <a:xfrm>
+            <a:off x="9185563" y="3650116"/>
+            <a:ext cx="2868583" cy="1382134"/>
+          </a:xfrm>
+          <a:prstGeom prst="rect">
+            <a:avLst/>
+          </a:prstGeom>
+        </p:spPr>
+      </p:pic>
     </p:spTree>
     <p:extLst>
       <p:ext uri="{BB962C8B-B14F-4D97-AF65-F5344CB8AC3E}">
